--- a/batch5/basics/docs/careerscale Java training - basics.pptx
+++ b/batch5/basics/docs/careerscale Java training - basics.pptx
@@ -5,10 +5,10 @@
     <p:sldMasterId id="2147483654" r:id="rId1"/>
   </p:sldMasterIdLst>
   <p:notesMasterIdLst>
-    <p:notesMasterId r:id="rId33"/>
+    <p:notesMasterId r:id="rId34"/>
   </p:notesMasterIdLst>
   <p:handoutMasterIdLst>
-    <p:handoutMasterId r:id="rId34"/>
+    <p:handoutMasterId r:id="rId35"/>
   </p:handoutMasterIdLst>
   <p:sldIdLst>
     <p:sldId id="256" r:id="rId2"/>
@@ -40,8 +40,9 @@
     <p:sldId id="283" r:id="rId28"/>
     <p:sldId id="282" r:id="rId29"/>
     <p:sldId id="280" r:id="rId30"/>
-    <p:sldId id="272" r:id="rId31"/>
-    <p:sldId id="273" r:id="rId32"/>
+    <p:sldId id="287" r:id="rId31"/>
+    <p:sldId id="272" r:id="rId32"/>
+    <p:sldId id="273" r:id="rId33"/>
   </p:sldIdLst>
   <p:sldSz cx="10160000" cy="7620000"/>
   <p:notesSz cx="7620000" cy="10160000"/>
@@ -341,7 +342,7 @@
           <a:p>
             <a:fld id="{6EA59831-A4FD-404B-A574-E17A0D707D79}" type="datetimeFigureOut">
               <a:rPr lang="en-US" smtClean="0"/>
-              <a:t>11/13/2014</a:t>
+              <a:t>12/4/2014</a:t>
             </a:fld>
             <a:endParaRPr lang="en-US"/>
           </a:p>
@@ -1553,6 +1554,67 @@
 </file>
 
 <file path=ppt/notesSlides/notesSlide17.xml><?xml version="1.0" encoding="utf-8"?>
+<p:notes xmlns:a="http://schemas.openxmlformats.org/drawingml/2006/main" xmlns:r="http://schemas.openxmlformats.org/officeDocument/2006/relationships" xmlns:p="http://schemas.openxmlformats.org/presentationml/2006/main">
+  <p:cSld>
+    <p:spTree>
+      <p:nvGrpSpPr>
+        <p:cNvPr id="1" name=""/>
+        <p:cNvGrpSpPr/>
+        <p:nvPr/>
+      </p:nvGrpSpPr>
+      <p:grpSpPr>
+        <a:xfrm>
+          <a:off x="0" y="0"/>
+          <a:ext cx="0" cy="0"/>
+          <a:chOff x="0" y="0"/>
+          <a:chExt cx="0" cy="0"/>
+        </a:xfrm>
+      </p:grpSpPr>
+      <p:sp>
+        <p:nvSpPr>
+          <p:cNvPr id="2" name="Slide Image Placeholder 1"/>
+          <p:cNvSpPr>
+            <a:spLocks noGrp="1" noRot="1" noChangeAspect="1"/>
+          </p:cNvSpPr>
+          <p:nvPr>
+            <p:ph type="sldImg"/>
+          </p:nvPr>
+        </p:nvSpPr>
+        <p:spPr/>
+      </p:sp>
+      <p:sp>
+        <p:nvSpPr>
+          <p:cNvPr id="3" name="Notes Placeholder 2"/>
+          <p:cNvSpPr>
+            <a:spLocks noGrp="1"/>
+          </p:cNvSpPr>
+          <p:nvPr>
+            <p:ph type="body" idx="1"/>
+          </p:nvPr>
+        </p:nvSpPr>
+        <p:spPr/>
+        <p:txBody>
+          <a:bodyPr/>
+          <a:lstStyle/>
+          <a:p>
+            <a:endParaRPr lang="en-US" dirty="0"/>
+          </a:p>
+        </p:txBody>
+      </p:sp>
+    </p:spTree>
+    <p:extLst>
+      <p:ext uri="{BB962C8B-B14F-4D97-AF65-F5344CB8AC3E}">
+        <p14:creationId xmlns:p14="http://schemas.microsoft.com/office/powerpoint/2010/main" val="451501505"/>
+      </p:ext>
+    </p:extLst>
+  </p:cSld>
+  <p:clrMapOvr>
+    <a:masterClrMapping/>
+  </p:clrMapOvr>
+</p:notes>
+</file>
+
+<file path=ppt/notesSlides/notesSlide18.xml><?xml version="1.0" encoding="utf-8"?>
 <p:notes xmlns:a="http://schemas.openxmlformats.org/drawingml/2006/main" xmlns:r="http://schemas.openxmlformats.org/officeDocument/2006/relationships" xmlns:p="http://schemas.openxmlformats.org/presentationml/2006/main" showMasterSp="0" showMasterPhAnim="0">
   <p:cSld>
     <p:spTree>
@@ -1647,7 +1709,7 @@
 </p:notes>
 </file>
 
-<file path=ppt/notesSlides/notesSlide18.xml><?xml version="1.0" encoding="utf-8"?>
+<file path=ppt/notesSlides/notesSlide19.xml><?xml version="1.0" encoding="utf-8"?>
 <p:notes xmlns:a="http://schemas.openxmlformats.org/drawingml/2006/main" xmlns:r="http://schemas.openxmlformats.org/officeDocument/2006/relationships" xmlns:p="http://schemas.openxmlformats.org/presentationml/2006/main" showMasterSp="0" showMasterPhAnim="0">
   <p:cSld>
     <p:spTree>
@@ -2683,7 +2745,7 @@
           <a:p>
             <a:fld id="{7335BCAD-28A3-2344-B091-C05A95719D93}" type="datetime1">
               <a:rPr lang="en-US" smtClean="0"/>
-              <a:t>11/13/2014</a:t>
+              <a:t>12/4/2014</a:t>
             </a:fld>
             <a:endParaRPr lang="en-US"/>
           </a:p>
@@ -2853,7 +2915,7 @@
           <a:p>
             <a:fld id="{F2B52071-BC3D-194C-80EE-748C4FC80A05}" type="datetime1">
               <a:rPr lang="en-US" smtClean="0"/>
-              <a:t>11/13/2014</a:t>
+              <a:t>12/4/2014</a:t>
             </a:fld>
             <a:endParaRPr lang="en-US"/>
           </a:p>
@@ -3033,7 +3095,7 @@
           <a:p>
             <a:fld id="{D75BD0DF-E091-F54A-B991-4570D5265414}" type="datetime1">
               <a:rPr lang="en-US" smtClean="0"/>
-              <a:t>11/13/2014</a:t>
+              <a:t>12/4/2014</a:t>
             </a:fld>
             <a:endParaRPr lang="en-US"/>
           </a:p>
@@ -3203,7 +3265,7 @@
           <a:p>
             <a:fld id="{B59BAAC8-A4DE-8341-AB28-11AAE34E1314}" type="datetime1">
               <a:rPr lang="en-US" smtClean="0"/>
-              <a:t>11/13/2014</a:t>
+              <a:t>12/4/2014</a:t>
             </a:fld>
             <a:endParaRPr lang="en-US"/>
           </a:p>
@@ -3449,7 +3511,7 @@
           <a:p>
             <a:fld id="{452015B4-E5E9-0443-A493-BA477117441B}" type="datetime1">
               <a:rPr lang="en-US" smtClean="0"/>
-              <a:t>11/13/2014</a:t>
+              <a:t>12/4/2014</a:t>
             </a:fld>
             <a:endParaRPr lang="en-US"/>
           </a:p>
@@ -3737,7 +3799,7 @@
           <a:p>
             <a:fld id="{F6031484-A76B-FC49-953D-8EF79E6BF931}" type="datetime1">
               <a:rPr lang="en-US" smtClean="0"/>
-              <a:t>11/13/2014</a:t>
+              <a:t>12/4/2014</a:t>
             </a:fld>
             <a:endParaRPr lang="en-US"/>
           </a:p>
@@ -4159,7 +4221,7 @@
           <a:p>
             <a:fld id="{116C9722-D8C0-D44D-8937-4C0A36437D48}" type="datetime1">
               <a:rPr lang="en-US" smtClean="0"/>
-              <a:t>11/13/2014</a:t>
+              <a:t>12/4/2014</a:t>
             </a:fld>
             <a:endParaRPr lang="en-US"/>
           </a:p>
@@ -4277,7 +4339,7 @@
           <a:p>
             <a:fld id="{8EEABCDF-6945-8448-818E-02D7FAFF00FC}" type="datetime1">
               <a:rPr lang="en-US" smtClean="0"/>
-              <a:t>11/13/2014</a:t>
+              <a:t>12/4/2014</a:t>
             </a:fld>
             <a:endParaRPr lang="en-US"/>
           </a:p>
@@ -4372,7 +4434,7 @@
           <a:p>
             <a:fld id="{6BDC594B-4352-354E-957E-A6BD7381F993}" type="datetime1">
               <a:rPr lang="en-US" smtClean="0"/>
-              <a:t>11/13/2014</a:t>
+              <a:t>12/4/2014</a:t>
             </a:fld>
             <a:endParaRPr lang="en-US"/>
           </a:p>
@@ -4649,7 +4711,7 @@
           <a:p>
             <a:fld id="{7C3B09C4-C32A-7C49-8EBD-136015915A62}" type="datetime1">
               <a:rPr lang="en-US" smtClean="0"/>
-              <a:t>11/13/2014</a:t>
+              <a:t>12/4/2014</a:t>
             </a:fld>
             <a:endParaRPr lang="en-US"/>
           </a:p>
@@ -4902,7 +4964,7 @@
           <a:p>
             <a:fld id="{46B1F9E6-9FF6-6144-8C69-66DC0FD9BB46}" type="datetime1">
               <a:rPr lang="en-US" smtClean="0"/>
-              <a:t>11/13/2014</a:t>
+              <a:t>12/4/2014</a:t>
             </a:fld>
             <a:endParaRPr lang="en-US"/>
           </a:p>
@@ -5115,7 +5177,7 @@
           <a:p>
             <a:fld id="{C117D751-BA2E-5848-BDEF-37ADECBF10F3}" type="datetime1">
               <a:rPr lang="en-US" smtClean="0"/>
-              <a:t>11/13/2014</a:t>
+              <a:t>12/4/2014</a:t>
             </a:fld>
             <a:endParaRPr lang="en-US"/>
           </a:p>
@@ -10851,6 +10913,105 @@
   <p:cSld>
     <p:spTree>
       <p:nvGrpSpPr>
+        <p:cNvPr id="1" name=""/>
+        <p:cNvGrpSpPr/>
+        <p:nvPr/>
+      </p:nvGrpSpPr>
+      <p:grpSpPr>
+        <a:xfrm>
+          <a:off x="0" y="0"/>
+          <a:ext cx="0" cy="0"/>
+          <a:chOff x="0" y="0"/>
+          <a:chExt cx="0" cy="0"/>
+        </a:xfrm>
+      </p:grpSpPr>
+      <p:sp>
+        <p:nvSpPr>
+          <p:cNvPr id="2" name="Title 1"/>
+          <p:cNvSpPr>
+            <a:spLocks noGrp="1"/>
+          </p:cNvSpPr>
+          <p:nvPr>
+            <p:ph type="title"/>
+          </p:nvPr>
+        </p:nvSpPr>
+        <p:spPr>
+          <a:xfrm>
+            <a:off x="508000" y="97335"/>
+            <a:ext cx="9144000" cy="1270000"/>
+          </a:xfrm>
+        </p:spPr>
+        <p:txBody>
+          <a:bodyPr/>
+          <a:lstStyle/>
+          <a:p>
+            <a:r>
+              <a:rPr lang="en-US" dirty="0" smtClean="0"/>
+              <a:t>Collections</a:t>
+            </a:r>
+            <a:endParaRPr lang="en-US" dirty="0"/>
+          </a:p>
+        </p:txBody>
+      </p:sp>
+      <p:pic>
+        <p:nvPicPr>
+          <p:cNvPr id="1026" name="Picture 2" descr="http://www.falkhausen.de/download/diagram/img/java.util.Collection.gif"/>
+          <p:cNvPicPr>
+            <a:picLocks noChangeAspect="1" noChangeArrowheads="1"/>
+          </p:cNvPicPr>
+          <p:nvPr/>
+        </p:nvPicPr>
+        <p:blipFill>
+          <a:blip r:embed="rId3">
+            <a:extLst>
+              <a:ext uri="{28A0092B-C50C-407E-A947-70E740481C1C}">
+                <a14:useLocalDpi xmlns:a14="http://schemas.microsoft.com/office/drawing/2010/main" val="0"/>
+              </a:ext>
+            </a:extLst>
+          </a:blip>
+          <a:srcRect/>
+          <a:stretch>
+            <a:fillRect/>
+          </a:stretch>
+        </p:blipFill>
+        <p:spPr bwMode="auto">
+          <a:xfrm>
+            <a:off x="508000" y="1134357"/>
+            <a:ext cx="9406948" cy="6485643"/>
+          </a:xfrm>
+          <a:prstGeom prst="rect">
+            <a:avLst/>
+          </a:prstGeom>
+          <a:noFill/>
+          <a:extLst>
+            <a:ext uri="{909E8E84-426E-40DD-AFC4-6F175D3DCCD1}">
+              <a14:hiddenFill xmlns:a14="http://schemas.microsoft.com/office/drawing/2010/main">
+                <a:solidFill>
+                  <a:srgbClr val="FFFFFF"/>
+                </a:solidFill>
+              </a14:hiddenFill>
+            </a:ext>
+          </a:extLst>
+        </p:spPr>
+      </p:pic>
+    </p:spTree>
+    <p:extLst>
+      <p:ext uri="{BB962C8B-B14F-4D97-AF65-F5344CB8AC3E}">
+        <p14:creationId xmlns:p14="http://schemas.microsoft.com/office/powerpoint/2010/main" val="1971123088"/>
+      </p:ext>
+    </p:extLst>
+  </p:cSld>
+  <p:clrMapOvr>
+    <a:masterClrMapping/>
+  </p:clrMapOvr>
+</p:sld>
+</file>
+
+<file path=ppt/slides/slide31.xml><?xml version="1.0" encoding="utf-8"?>
+<p:sld xmlns:a="http://schemas.openxmlformats.org/drawingml/2006/main" xmlns:r="http://schemas.openxmlformats.org/officeDocument/2006/relationships" xmlns:p="http://schemas.openxmlformats.org/presentationml/2006/main">
+  <p:cSld>
+    <p:spTree>
+      <p:nvGrpSpPr>
         <p:cNvPr id="1" name="Shape 161"/>
         <p:cNvGrpSpPr/>
         <p:nvPr/>
@@ -11402,7 +11563,7 @@
 </p:sld>
 </file>
 
-<file path=ppt/slides/slide31.xml><?xml version="1.0" encoding="utf-8"?>
+<file path=ppt/slides/slide32.xml><?xml version="1.0" encoding="utf-8"?>
 <p:sld xmlns:a="http://schemas.openxmlformats.org/drawingml/2006/main" xmlns:r="http://schemas.openxmlformats.org/officeDocument/2006/relationships" xmlns:p="http://schemas.openxmlformats.org/presentationml/2006/main">
   <p:cSld>
     <p:spTree>

--- a/batch5/basics/docs/careerscale Java training - basics.pptx
+++ b/batch5/basics/docs/careerscale Java training - basics.pptx
@@ -342,7 +342,7 @@
           <a:p>
             <a:fld id="{6EA59831-A4FD-404B-A574-E17A0D707D79}" type="datetimeFigureOut">
               <a:rPr lang="en-US" smtClean="0"/>
-              <a:t>12/4/2014</a:t>
+              <a:t>12/6/2014</a:t>
             </a:fld>
             <a:endParaRPr lang="en-US"/>
           </a:p>
@@ -2745,7 +2745,7 @@
           <a:p>
             <a:fld id="{7335BCAD-28A3-2344-B091-C05A95719D93}" type="datetime1">
               <a:rPr lang="en-US" smtClean="0"/>
-              <a:t>12/4/2014</a:t>
+              <a:t>12/6/2014</a:t>
             </a:fld>
             <a:endParaRPr lang="en-US"/>
           </a:p>
@@ -2915,7 +2915,7 @@
           <a:p>
             <a:fld id="{F2B52071-BC3D-194C-80EE-748C4FC80A05}" type="datetime1">
               <a:rPr lang="en-US" smtClean="0"/>
-              <a:t>12/4/2014</a:t>
+              <a:t>12/6/2014</a:t>
             </a:fld>
             <a:endParaRPr lang="en-US"/>
           </a:p>
@@ -3095,7 +3095,7 @@
           <a:p>
             <a:fld id="{D75BD0DF-E091-F54A-B991-4570D5265414}" type="datetime1">
               <a:rPr lang="en-US" smtClean="0"/>
-              <a:t>12/4/2014</a:t>
+              <a:t>12/6/2014</a:t>
             </a:fld>
             <a:endParaRPr lang="en-US"/>
           </a:p>
@@ -3265,7 +3265,7 @@
           <a:p>
             <a:fld id="{B59BAAC8-A4DE-8341-AB28-11AAE34E1314}" type="datetime1">
               <a:rPr lang="en-US" smtClean="0"/>
-              <a:t>12/4/2014</a:t>
+              <a:t>12/6/2014</a:t>
             </a:fld>
             <a:endParaRPr lang="en-US"/>
           </a:p>
@@ -3511,7 +3511,7 @@
           <a:p>
             <a:fld id="{452015B4-E5E9-0443-A493-BA477117441B}" type="datetime1">
               <a:rPr lang="en-US" smtClean="0"/>
-              <a:t>12/4/2014</a:t>
+              <a:t>12/6/2014</a:t>
             </a:fld>
             <a:endParaRPr lang="en-US"/>
           </a:p>
@@ -3799,7 +3799,7 @@
           <a:p>
             <a:fld id="{F6031484-A76B-FC49-953D-8EF79E6BF931}" type="datetime1">
               <a:rPr lang="en-US" smtClean="0"/>
-              <a:t>12/4/2014</a:t>
+              <a:t>12/6/2014</a:t>
             </a:fld>
             <a:endParaRPr lang="en-US"/>
           </a:p>
@@ -4221,7 +4221,7 @@
           <a:p>
             <a:fld id="{116C9722-D8C0-D44D-8937-4C0A36437D48}" type="datetime1">
               <a:rPr lang="en-US" smtClean="0"/>
-              <a:t>12/4/2014</a:t>
+              <a:t>12/6/2014</a:t>
             </a:fld>
             <a:endParaRPr lang="en-US"/>
           </a:p>
@@ -4339,7 +4339,7 @@
           <a:p>
             <a:fld id="{8EEABCDF-6945-8448-818E-02D7FAFF00FC}" type="datetime1">
               <a:rPr lang="en-US" smtClean="0"/>
-              <a:t>12/4/2014</a:t>
+              <a:t>12/6/2014</a:t>
             </a:fld>
             <a:endParaRPr lang="en-US"/>
           </a:p>
@@ -4434,7 +4434,7 @@
           <a:p>
             <a:fld id="{6BDC594B-4352-354E-957E-A6BD7381F993}" type="datetime1">
               <a:rPr lang="en-US" smtClean="0"/>
-              <a:t>12/4/2014</a:t>
+              <a:t>12/6/2014</a:t>
             </a:fld>
             <a:endParaRPr lang="en-US"/>
           </a:p>
@@ -4711,7 +4711,7 @@
           <a:p>
             <a:fld id="{7C3B09C4-C32A-7C49-8EBD-136015915A62}" type="datetime1">
               <a:rPr lang="en-US" smtClean="0"/>
-              <a:t>12/4/2014</a:t>
+              <a:t>12/6/2014</a:t>
             </a:fld>
             <a:endParaRPr lang="en-US"/>
           </a:p>
@@ -4964,7 +4964,7 @@
           <a:p>
             <a:fld id="{46B1F9E6-9FF6-6144-8C69-66DC0FD9BB46}" type="datetime1">
               <a:rPr lang="en-US" smtClean="0"/>
-              <a:t>12/4/2014</a:t>
+              <a:t>12/6/2014</a:t>
             </a:fld>
             <a:endParaRPr lang="en-US"/>
           </a:p>
@@ -5177,7 +5177,7 @@
           <a:p>
             <a:fld id="{C117D751-BA2E-5848-BDEF-37ADECBF10F3}" type="datetime1">
               <a:rPr lang="en-US" smtClean="0"/>
-              <a:t>12/4/2014</a:t>
+              <a:t>12/6/2014</a:t>
             </a:fld>
             <a:endParaRPr lang="en-US"/>
           </a:p>
@@ -8520,6 +8520,10 @@
           <a:bodyPr/>
           <a:lstStyle/>
           <a:p>
+            <a:r>
+              <a:rPr lang="en-US" dirty="0" smtClean="0"/>
+              <a:t>Objects in Heap</a:t>
+            </a:r>
             <a:endParaRPr lang="en-US" dirty="0"/>
           </a:p>
         </p:txBody>
@@ -9869,6 +9873,64 @@
           </a:fontRef>
         </p:style>
       </p:cxnSp>
+      <p:sp>
+        <p:nvSpPr>
+          <p:cNvPr id="3" name="TextBox 2"/>
+          <p:cNvSpPr txBox="1"/>
+          <p:nvPr/>
+        </p:nvSpPr>
+        <p:spPr>
+          <a:xfrm>
+            <a:off x="387927" y="1288473"/>
+            <a:ext cx="3934691" cy="738664"/>
+          </a:xfrm>
+          <a:prstGeom prst="rect">
+            <a:avLst/>
+          </a:prstGeom>
+          <a:noFill/>
+        </p:spPr>
+        <p:txBody>
+          <a:bodyPr wrap="square" rtlCol="0">
+            <a:spAutoFit/>
+          </a:bodyPr>
+          <a:lstStyle/>
+          <a:p>
+            <a:r>
+              <a:rPr lang="en-US" dirty="0" err="1" smtClean="0"/>
+              <a:t>HelloWorld</a:t>
+            </a:r>
+            <a:r>
+              <a:rPr lang="en-US" dirty="0" smtClean="0"/>
+              <a:t> hello = new </a:t>
+            </a:r>
+            <a:r>
+              <a:rPr lang="en-US" dirty="0" err="1" smtClean="0"/>
+              <a:t>HelloWord</a:t>
+            </a:r>
+            <a:r>
+              <a:rPr lang="en-US" dirty="0" smtClean="0"/>
+              <a:t>()  //A</a:t>
+            </a:r>
+          </a:p>
+          <a:p>
+            <a:r>
+              <a:rPr lang="en-US" dirty="0" smtClean="0"/>
+              <a:t>hello= new </a:t>
+            </a:r>
+            <a:r>
+              <a:rPr lang="en-US" dirty="0" err="1" smtClean="0"/>
+              <a:t>HelloWorld</a:t>
+            </a:r>
+            <a:r>
+              <a:rPr lang="en-US" dirty="0" smtClean="0"/>
+              <a:t>();  //B</a:t>
+            </a:r>
+          </a:p>
+          <a:p>
+            <a:endParaRPr lang="en-US" dirty="0"/>
+          </a:p>
+        </p:txBody>
+      </p:sp>
     </p:spTree>
     <p:extLst>
       <p:ext uri="{BB962C8B-B14F-4D97-AF65-F5344CB8AC3E}">
@@ -10361,11 +10423,11 @@
           <a:p>
             <a:r>
               <a:rPr lang="en-US" dirty="0" smtClean="0"/>
-              <a:t>Java model </a:t>
-            </a:r>
-            <a:r>
-              <a:rPr lang="en-US" dirty="0" err="1" smtClean="0"/>
-              <a:t>model</a:t>
+              <a:t>Java </a:t>
+            </a:r>
+            <a:r>
+              <a:rPr lang="en-US" dirty="0" smtClean="0"/>
+              <a:t>memory model</a:t>
             </a:r>
             <a:endParaRPr lang="en-US" dirty="0"/>
           </a:p>
